--- a/Genre Predictor from Lyrics.pptx
+++ b/Genre Predictor from Lyrics.pptx
@@ -351,7 +351,7 @@
           <a:p>
             <a:fld id="{B635E133-4174-45EC-806F-AC5F94A42505}" type="datetimeFigureOut">
               <a:rPr lang="en-US" smtClean="0"/>
-              <a:t>3/15/2018</a:t>
+              <a:t>3/16/2018</a:t>
             </a:fld>
             <a:endParaRPr lang="en-US"/>
           </a:p>
@@ -559,7 +559,7 @@
           <a:p>
             <a:fld id="{B635E133-4174-45EC-806F-AC5F94A42505}" type="datetimeFigureOut">
               <a:rPr lang="en-US" smtClean="0"/>
-              <a:t>3/15/2018</a:t>
+              <a:t>3/16/2018</a:t>
             </a:fld>
             <a:endParaRPr lang="en-US"/>
           </a:p>
@@ -815,7 +815,7 @@
           <a:p>
             <a:fld id="{B635E133-4174-45EC-806F-AC5F94A42505}" type="datetimeFigureOut">
               <a:rPr lang="en-US" smtClean="0"/>
-              <a:t>3/15/2018</a:t>
+              <a:t>3/16/2018</a:t>
             </a:fld>
             <a:endParaRPr lang="en-US"/>
           </a:p>
@@ -989,7 +989,7 @@
           <a:p>
             <a:fld id="{B635E133-4174-45EC-806F-AC5F94A42505}" type="datetimeFigureOut">
               <a:rPr lang="en-US" smtClean="0"/>
-              <a:t>3/15/2018</a:t>
+              <a:t>3/16/2018</a:t>
             </a:fld>
             <a:endParaRPr lang="en-US"/>
           </a:p>
@@ -1332,7 +1332,7 @@
           <a:p>
             <a:fld id="{B635E133-4174-45EC-806F-AC5F94A42505}" type="datetimeFigureOut">
               <a:rPr lang="en-US" smtClean="0"/>
-              <a:t>3/15/2018</a:t>
+              <a:t>3/16/2018</a:t>
             </a:fld>
             <a:endParaRPr lang="en-US"/>
           </a:p>
@@ -1607,7 +1607,7 @@
           <a:p>
             <a:fld id="{B635E133-4174-45EC-806F-AC5F94A42505}" type="datetimeFigureOut">
               <a:rPr lang="en-US" smtClean="0"/>
-              <a:t>3/15/2018</a:t>
+              <a:t>3/16/2018</a:t>
             </a:fld>
             <a:endParaRPr lang="en-US"/>
           </a:p>
@@ -1986,7 +1986,7 @@
           <a:p>
             <a:fld id="{B635E133-4174-45EC-806F-AC5F94A42505}" type="datetimeFigureOut">
               <a:rPr lang="en-US" smtClean="0"/>
-              <a:t>3/15/2018</a:t>
+              <a:t>3/16/2018</a:t>
             </a:fld>
             <a:endParaRPr lang="en-US"/>
           </a:p>
@@ -2104,7 +2104,7 @@
           <a:p>
             <a:fld id="{B635E133-4174-45EC-806F-AC5F94A42505}" type="datetimeFigureOut">
               <a:rPr lang="en-US" smtClean="0"/>
-              <a:t>3/15/2018</a:t>
+              <a:t>3/16/2018</a:t>
             </a:fld>
             <a:endParaRPr lang="en-US"/>
           </a:p>
@@ -2275,7 +2275,7 @@
           <a:p>
             <a:fld id="{B635E133-4174-45EC-806F-AC5F94A42505}" type="datetimeFigureOut">
               <a:rPr lang="en-US" smtClean="0"/>
-              <a:t>3/15/2018</a:t>
+              <a:t>3/16/2018</a:t>
             </a:fld>
             <a:endParaRPr lang="en-US"/>
           </a:p>
@@ -2629,7 +2629,7 @@
           <a:p>
             <a:fld id="{B635E133-4174-45EC-806F-AC5F94A42505}" type="datetimeFigureOut">
               <a:rPr lang="en-US" smtClean="0"/>
-              <a:t>3/15/2018</a:t>
+              <a:t>3/16/2018</a:t>
             </a:fld>
             <a:endParaRPr lang="en-US"/>
           </a:p>
@@ -3011,7 +3011,7 @@
           <a:p>
             <a:fld id="{B635E133-4174-45EC-806F-AC5F94A42505}" type="datetimeFigureOut">
               <a:rPr lang="en-US" smtClean="0"/>
-              <a:t>3/15/2018</a:t>
+              <a:t>3/16/2018</a:t>
             </a:fld>
             <a:endParaRPr lang="en-US"/>
           </a:p>
@@ -3298,7 +3298,7 @@
           <a:p>
             <a:fld id="{B635E133-4174-45EC-806F-AC5F94A42505}" type="datetimeFigureOut">
               <a:rPr lang="en-US" smtClean="0"/>
-              <a:t>3/15/2018</a:t>
+              <a:t>3/16/2018</a:t>
             </a:fld>
             <a:endParaRPr lang="en-US"/>
           </a:p>
@@ -4064,7 +4064,7 @@
             </a:pPr>
             <a:r>
               <a:rPr lang="en-IN" dirty="0"/>
-              <a:t>Predicting Genre from lyrics</a:t>
+              <a:t>As a user, if I enter a previously unknown lyrics into the application, it should return the probability of it belonging to different genres.</a:t>
             </a:r>
           </a:p>
           <a:p>
@@ -4074,7 +4074,7 @@
             </a:pPr>
             <a:r>
               <a:rPr lang="en-IN" dirty="0"/>
-              <a:t>Predicting Artist from lyrics</a:t>
+              <a:t>As a user, if I enter a previously unknown lyrics into the application, it should return top 5 most probable artists for the lyrics.</a:t>
             </a:r>
           </a:p>
           <a:p>
@@ -4084,7 +4084,7 @@
             </a:pPr>
             <a:r>
               <a:rPr lang="en-IN" dirty="0"/>
-              <a:t>Predicting similar songs:</a:t>
+              <a:t>As a user, if I enter a previously unknown lyrics into the application, it should return 3 similar songs based on the following features extracted from the lyrics:</a:t>
             </a:r>
           </a:p>
           <a:p>
@@ -6298,91 +6298,299 @@
           </a:p>
         </p:txBody>
       </p:sp>
-      <p:sp>
-        <p:nvSpPr>
-          <p:cNvPr id="3" name="Content Placeholder 2">
+      <p:graphicFrame>
+        <p:nvGraphicFramePr>
+          <p:cNvPr id="9" name="Content Placeholder 8">
             <a:extLst>
               <a:ext uri="{FF2B5EF4-FFF2-40B4-BE49-F238E27FC236}">
-                <a16:creationId xmlns:a16="http://schemas.microsoft.com/office/drawing/2014/main" id="{037FF340-258A-4510-A346-B5F68FEE73C6}"/>
+                <a16:creationId xmlns:a16="http://schemas.microsoft.com/office/drawing/2014/main" id="{67CA222E-FAAF-4BA6-BBED-53B233593E40}"/>
               </a:ext>
             </a:extLst>
           </p:cNvPr>
-          <p:cNvSpPr>
-            <a:spLocks noGrp="1"/>
-          </p:cNvSpPr>
+          <p:cNvGraphicFramePr>
+            <a:graphicFrameLocks noGrp="1"/>
+          </p:cNvGraphicFramePr>
           <p:nvPr>
             <p:ph idx="1"/>
-          </p:nvPr>
-        </p:nvSpPr>
-        <p:spPr>
-          <a:xfrm>
-            <a:off x="838200" y="2439841"/>
-            <a:ext cx="10515600" cy="3277468"/>
-          </a:xfrm>
-        </p:spPr>
-        <p:txBody>
-          <a:bodyPr/>
-          <a:lstStyle/>
-          <a:p>
-            <a:pPr>
-              <a:buFont typeface="Arial" panose="020B0604020202020204" pitchFamily="34" charset="0"/>
-              <a:buChar char="•"/>
-            </a:pPr>
-            <a:r>
-              <a:rPr lang="en-IN" dirty="0"/>
-              <a:t> Data Transformation</a:t>
-            </a:r>
-          </a:p>
-          <a:p>
-            <a:pPr>
-              <a:buFont typeface="Arial" panose="020B0604020202020204" pitchFamily="34" charset="0"/>
-              <a:buChar char="•"/>
-            </a:pPr>
-            <a:r>
-              <a:rPr lang="en-IN" dirty="0"/>
-              <a:t> Feature Extraction</a:t>
-            </a:r>
-          </a:p>
-          <a:p>
-            <a:pPr>
-              <a:buFont typeface="Arial" panose="020B0604020202020204" pitchFamily="34" charset="0"/>
-              <a:buChar char="•"/>
-            </a:pPr>
-            <a:r>
-              <a:rPr lang="en-IN" dirty="0"/>
-              <a:t> </a:t>
-            </a:r>
-            <a:r>
-              <a:rPr lang="en-IN" dirty="0" err="1"/>
-              <a:t>MLlib</a:t>
-            </a:r>
-            <a:r>
-              <a:rPr lang="en-IN" dirty="0"/>
-              <a:t> algorithms for different models and validation</a:t>
-            </a:r>
-          </a:p>
-          <a:p>
-            <a:pPr>
-              <a:buFont typeface="Arial" panose="020B0604020202020204" pitchFamily="34" charset="0"/>
-              <a:buChar char="•"/>
-            </a:pPr>
-            <a:r>
-              <a:rPr lang="en-IN" dirty="0"/>
-              <a:t> Prediction: genre, artist, similar songs</a:t>
-            </a:r>
-          </a:p>
-          <a:p>
-            <a:pPr>
-              <a:buFont typeface="Arial" panose="020B0604020202020204" pitchFamily="34" charset="0"/>
-              <a:buChar char="•"/>
-            </a:pPr>
-            <a:r>
-              <a:rPr lang="en-IN" dirty="0"/>
-              <a:t> Unit testing and Integration Testing</a:t>
-            </a:r>
-          </a:p>
-        </p:txBody>
-      </p:sp>
+            <p:extLst>
+              <p:ext uri="{D42A27DB-BD31-4B8C-83A1-F6EECF244321}">
+                <p14:modId xmlns:p14="http://schemas.microsoft.com/office/powerpoint/2010/main" val="2496275494"/>
+              </p:ext>
+            </p:extLst>
+          </p:nvPr>
+        </p:nvGraphicFramePr>
+        <p:xfrm>
+          <a:off x="1097280" y="1970203"/>
+          <a:ext cx="10058400" cy="3864990"/>
+        </p:xfrm>
+        <a:graphic>
+          <a:graphicData uri="http://schemas.openxmlformats.org/drawingml/2006/table">
+            <a:tbl>
+              <a:tblPr firstRow="1" bandRow="1">
+                <a:tableStyleId>{5C22544A-7EE6-4342-B048-85BDC9FD1C3A}</a:tableStyleId>
+              </a:tblPr>
+              <a:tblGrid>
+                <a:gridCol w="5029200">
+                  <a:extLst>
+                    <a:ext uri="{9D8B030D-6E8A-4147-A177-3AD203B41FA5}">
+                      <a16:colId xmlns:a16="http://schemas.microsoft.com/office/drawing/2014/main" val="1667238008"/>
+                    </a:ext>
+                  </a:extLst>
+                </a:gridCol>
+                <a:gridCol w="5029200">
+                  <a:extLst>
+                    <a:ext uri="{9D8B030D-6E8A-4147-A177-3AD203B41FA5}">
+                      <a16:colId xmlns:a16="http://schemas.microsoft.com/office/drawing/2014/main" val="1435620575"/>
+                    </a:ext>
+                  </a:extLst>
+                </a:gridCol>
+              </a:tblGrid>
+              <a:tr h="644165">
+                <a:tc>
+                  <a:txBody>
+                    <a:bodyPr/>
+                    <a:lstStyle/>
+                    <a:p>
+                      <a:r>
+                        <a:rPr lang="en-US" b="1" dirty="0">
+                          <a:solidFill>
+                            <a:schemeClr val="tx1"/>
+                          </a:solidFill>
+                        </a:rPr>
+                        <a:t>Sprint planned activity</a:t>
+                      </a:r>
+                    </a:p>
+                  </a:txBody>
+                  <a:tcPr/>
+                </a:tc>
+                <a:tc>
+                  <a:txBody>
+                    <a:bodyPr/>
+                    <a:lstStyle/>
+                    <a:p>
+                      <a:r>
+                        <a:rPr lang="en-US" dirty="0">
+                          <a:solidFill>
+                            <a:schemeClr val="tx1"/>
+                          </a:solidFill>
+                        </a:rPr>
+                        <a:t>Sprint week</a:t>
+                      </a:r>
+                    </a:p>
+                  </a:txBody>
+                  <a:tcPr/>
+                </a:tc>
+                <a:extLst>
+                  <a:ext uri="{0D108BD9-81ED-4DB2-BD59-A6C34878D82A}">
+                    <a16:rowId xmlns:a16="http://schemas.microsoft.com/office/drawing/2014/main" val="2606385413"/>
+                  </a:ext>
+                </a:extLst>
+              </a:tr>
+              <a:tr h="644165">
+                <a:tc>
+                  <a:txBody>
+                    <a:bodyPr/>
+                    <a:lstStyle/>
+                    <a:p>
+                      <a:r>
+                        <a:rPr lang="en-US" b="0" dirty="0">
+                          <a:solidFill>
+                            <a:schemeClr val="tx1"/>
+                          </a:solidFill>
+                        </a:rPr>
+                        <a:t>Data Transformation and unit, integration tests for it</a:t>
+                      </a:r>
+                    </a:p>
+                  </a:txBody>
+                  <a:tcPr/>
+                </a:tc>
+                <a:tc>
+                  <a:txBody>
+                    <a:bodyPr/>
+                    <a:lstStyle/>
+                    <a:p>
+                      <a:r>
+                        <a:rPr lang="en-US" dirty="0"/>
+                        <a:t>3/15/2018 – 3/22/2018</a:t>
+                      </a:r>
+                    </a:p>
+                  </a:txBody>
+                  <a:tcPr/>
+                </a:tc>
+                <a:extLst>
+                  <a:ext uri="{0D108BD9-81ED-4DB2-BD59-A6C34878D82A}">
+                    <a16:rowId xmlns:a16="http://schemas.microsoft.com/office/drawing/2014/main" val="2835371890"/>
+                  </a:ext>
+                </a:extLst>
+              </a:tr>
+              <a:tr h="644165">
+                <a:tc>
+                  <a:txBody>
+                    <a:bodyPr/>
+                    <a:lstStyle/>
+                    <a:p>
+                      <a:r>
+                        <a:rPr lang="en-US" dirty="0"/>
+                        <a:t>Feature Extraction and unit, integration tests for it</a:t>
+                      </a:r>
+                    </a:p>
+                  </a:txBody>
+                  <a:tcPr/>
+                </a:tc>
+                <a:tc>
+                  <a:txBody>
+                    <a:bodyPr/>
+                    <a:lstStyle/>
+                    <a:p>
+                      <a:r>
+                        <a:rPr lang="en-US" dirty="0"/>
+                        <a:t>3/22/2018 – 3/29/2018</a:t>
+                      </a:r>
+                    </a:p>
+                  </a:txBody>
+                  <a:tcPr/>
+                </a:tc>
+                <a:extLst>
+                  <a:ext uri="{0D108BD9-81ED-4DB2-BD59-A6C34878D82A}">
+                    <a16:rowId xmlns:a16="http://schemas.microsoft.com/office/drawing/2014/main" val="2606846074"/>
+                  </a:ext>
+                </a:extLst>
+              </a:tr>
+              <a:tr h="644165">
+                <a:tc>
+                  <a:txBody>
+                    <a:bodyPr/>
+                    <a:lstStyle/>
+                    <a:p>
+                      <a:r>
+                        <a:rPr lang="en-US" dirty="0" err="1"/>
+                        <a:t>MLlib</a:t>
+                      </a:r>
+                      <a:r>
+                        <a:rPr lang="en-US" dirty="0"/>
+                        <a:t> algorithms for different models and validation</a:t>
+                      </a:r>
+                    </a:p>
+                  </a:txBody>
+                  <a:tcPr/>
+                </a:tc>
+                <a:tc>
+                  <a:txBody>
+                    <a:bodyPr/>
+                    <a:lstStyle/>
+                    <a:p>
+                      <a:r>
+                        <a:rPr lang="en-US" dirty="0"/>
+                        <a:t>3/29/2018 – 4/05/2018</a:t>
+                      </a:r>
+                    </a:p>
+                  </a:txBody>
+                  <a:tcPr/>
+                </a:tc>
+                <a:extLst>
+                  <a:ext uri="{0D108BD9-81ED-4DB2-BD59-A6C34878D82A}">
+                    <a16:rowId xmlns:a16="http://schemas.microsoft.com/office/drawing/2014/main" val="3296204003"/>
+                  </a:ext>
+                </a:extLst>
+              </a:tr>
+              <a:tr h="644165">
+                <a:tc>
+                  <a:txBody>
+                    <a:bodyPr/>
+                    <a:lstStyle/>
+                    <a:p>
+                      <a:r>
+                        <a:rPr lang="fr-FR" dirty="0" err="1"/>
+                        <a:t>Prediction</a:t>
+                      </a:r>
+                      <a:r>
+                        <a:rPr lang="fr-FR" dirty="0"/>
+                        <a:t>: genre, </a:t>
+                      </a:r>
+                      <a:r>
+                        <a:rPr lang="fr-FR" dirty="0" err="1"/>
+                        <a:t>artist</a:t>
+                      </a:r>
+                      <a:r>
+                        <a:rPr lang="fr-FR" dirty="0"/>
+                        <a:t>, </a:t>
+                      </a:r>
+                      <a:r>
+                        <a:rPr lang="fr-FR" dirty="0" err="1"/>
+                        <a:t>similar</a:t>
+                      </a:r>
+                      <a:r>
+                        <a:rPr lang="fr-FR" dirty="0"/>
+                        <a:t> </a:t>
+                      </a:r>
+                      <a:r>
+                        <a:rPr lang="fr-FR" dirty="0" err="1"/>
+                        <a:t>songs</a:t>
+                      </a:r>
+                      <a:endParaRPr lang="en-US" dirty="0"/>
+                    </a:p>
+                  </a:txBody>
+                  <a:tcPr/>
+                </a:tc>
+                <a:tc>
+                  <a:txBody>
+                    <a:bodyPr/>
+                    <a:lstStyle/>
+                    <a:p>
+                      <a:r>
+                        <a:rPr lang="en-US" dirty="0"/>
+                        <a:t>4/05/2018 – 4/12/2018</a:t>
+                      </a:r>
+                    </a:p>
+                  </a:txBody>
+                  <a:tcPr/>
+                </a:tc>
+                <a:extLst>
+                  <a:ext uri="{0D108BD9-81ED-4DB2-BD59-A6C34878D82A}">
+                    <a16:rowId xmlns:a16="http://schemas.microsoft.com/office/drawing/2014/main" val="3462862177"/>
+                  </a:ext>
+                </a:extLst>
+              </a:tr>
+              <a:tr h="644165">
+                <a:tc>
+                  <a:txBody>
+                    <a:bodyPr/>
+                    <a:lstStyle/>
+                    <a:p>
+                      <a:r>
+                        <a:rPr lang="en-US" dirty="0"/>
+                        <a:t>Unit testing and Integration Testing</a:t>
+                      </a:r>
+                    </a:p>
+                    <a:p>
+                      <a:endParaRPr lang="en-US" dirty="0"/>
+                    </a:p>
+                  </a:txBody>
+                  <a:tcPr/>
+                </a:tc>
+                <a:tc>
+                  <a:txBody>
+                    <a:bodyPr/>
+                    <a:lstStyle/>
+                    <a:p>
+                      <a:r>
+                        <a:rPr lang="en-US" dirty="0"/>
+                        <a:t>4/12/2018 – 4/19/2018</a:t>
+                      </a:r>
+                    </a:p>
+                  </a:txBody>
+                  <a:tcPr/>
+                </a:tc>
+                <a:extLst>
+                  <a:ext uri="{0D108BD9-81ED-4DB2-BD59-A6C34878D82A}">
+                    <a16:rowId xmlns:a16="http://schemas.microsoft.com/office/drawing/2014/main" val="132454294"/>
+                  </a:ext>
+                </a:extLst>
+              </a:tr>
+            </a:tbl>
+          </a:graphicData>
+        </a:graphic>
+      </p:graphicFrame>
     </p:spTree>
     <p:extLst>
       <p:ext uri="{BB962C8B-B14F-4D97-AF65-F5344CB8AC3E}">

--- a/Genre Predictor from Lyrics.pptx
+++ b/Genre Predictor from Lyrics.pptx
@@ -351,7 +351,7 @@
           <a:p>
             <a:fld id="{B635E133-4174-45EC-806F-AC5F94A42505}" type="datetimeFigureOut">
               <a:rPr lang="en-US" smtClean="0"/>
-              <a:t>3/16/2018</a:t>
+              <a:t>3/22/2018</a:t>
             </a:fld>
             <a:endParaRPr lang="en-US"/>
           </a:p>
@@ -559,7 +559,7 @@
           <a:p>
             <a:fld id="{B635E133-4174-45EC-806F-AC5F94A42505}" type="datetimeFigureOut">
               <a:rPr lang="en-US" smtClean="0"/>
-              <a:t>3/16/2018</a:t>
+              <a:t>3/22/2018</a:t>
             </a:fld>
             <a:endParaRPr lang="en-US"/>
           </a:p>
@@ -815,7 +815,7 @@
           <a:p>
             <a:fld id="{B635E133-4174-45EC-806F-AC5F94A42505}" type="datetimeFigureOut">
               <a:rPr lang="en-US" smtClean="0"/>
-              <a:t>3/16/2018</a:t>
+              <a:t>3/22/2018</a:t>
             </a:fld>
             <a:endParaRPr lang="en-US"/>
           </a:p>
@@ -989,7 +989,7 @@
           <a:p>
             <a:fld id="{B635E133-4174-45EC-806F-AC5F94A42505}" type="datetimeFigureOut">
               <a:rPr lang="en-US" smtClean="0"/>
-              <a:t>3/16/2018</a:t>
+              <a:t>3/22/2018</a:t>
             </a:fld>
             <a:endParaRPr lang="en-US"/>
           </a:p>
@@ -1332,7 +1332,7 @@
           <a:p>
             <a:fld id="{B635E133-4174-45EC-806F-AC5F94A42505}" type="datetimeFigureOut">
               <a:rPr lang="en-US" smtClean="0"/>
-              <a:t>3/16/2018</a:t>
+              <a:t>3/22/2018</a:t>
             </a:fld>
             <a:endParaRPr lang="en-US"/>
           </a:p>
@@ -1607,7 +1607,7 @@
           <a:p>
             <a:fld id="{B635E133-4174-45EC-806F-AC5F94A42505}" type="datetimeFigureOut">
               <a:rPr lang="en-US" smtClean="0"/>
-              <a:t>3/16/2018</a:t>
+              <a:t>3/22/2018</a:t>
             </a:fld>
             <a:endParaRPr lang="en-US"/>
           </a:p>
@@ -1986,7 +1986,7 @@
           <a:p>
             <a:fld id="{B635E133-4174-45EC-806F-AC5F94A42505}" type="datetimeFigureOut">
               <a:rPr lang="en-US" smtClean="0"/>
-              <a:t>3/16/2018</a:t>
+              <a:t>3/22/2018</a:t>
             </a:fld>
             <a:endParaRPr lang="en-US"/>
           </a:p>
@@ -2104,7 +2104,7 @@
           <a:p>
             <a:fld id="{B635E133-4174-45EC-806F-AC5F94A42505}" type="datetimeFigureOut">
               <a:rPr lang="en-US" smtClean="0"/>
-              <a:t>3/16/2018</a:t>
+              <a:t>3/22/2018</a:t>
             </a:fld>
             <a:endParaRPr lang="en-US"/>
           </a:p>
@@ -2275,7 +2275,7 @@
           <a:p>
             <a:fld id="{B635E133-4174-45EC-806F-AC5F94A42505}" type="datetimeFigureOut">
               <a:rPr lang="en-US" smtClean="0"/>
-              <a:t>3/16/2018</a:t>
+              <a:t>3/22/2018</a:t>
             </a:fld>
             <a:endParaRPr lang="en-US"/>
           </a:p>
@@ -2629,7 +2629,7 @@
           <a:p>
             <a:fld id="{B635E133-4174-45EC-806F-AC5F94A42505}" type="datetimeFigureOut">
               <a:rPr lang="en-US" smtClean="0"/>
-              <a:t>3/16/2018</a:t>
+              <a:t>3/22/2018</a:t>
             </a:fld>
             <a:endParaRPr lang="en-US"/>
           </a:p>
@@ -3011,7 +3011,7 @@
           <a:p>
             <a:fld id="{B635E133-4174-45EC-806F-AC5F94A42505}" type="datetimeFigureOut">
               <a:rPr lang="en-US" smtClean="0"/>
-              <a:t>3/16/2018</a:t>
+              <a:t>3/22/2018</a:t>
             </a:fld>
             <a:endParaRPr lang="en-US"/>
           </a:p>
@@ -3298,7 +3298,7 @@
           <a:p>
             <a:fld id="{B635E133-4174-45EC-806F-AC5F94A42505}" type="datetimeFigureOut">
               <a:rPr lang="en-US" smtClean="0"/>
-              <a:t>3/16/2018</a:t>
+              <a:t>3/22/2018</a:t>
             </a:fld>
             <a:endParaRPr lang="en-US"/>
           </a:p>
@@ -5087,7 +5087,7 @@
             <a:pPr algn="ctr"/>
             <a:r>
               <a:rPr lang="en-IN" dirty="0"/>
-              <a:t>Clustering</a:t>
+              <a:t>NLP</a:t>
             </a:r>
             <a:endParaRPr lang="en-US" dirty="0"/>
           </a:p>
@@ -6300,10 +6300,10 @@
       </p:sp>
       <p:graphicFrame>
         <p:nvGraphicFramePr>
-          <p:cNvPr id="9" name="Content Placeholder 8">
+          <p:cNvPr id="8" name="Table 7">
             <a:extLst>
               <a:ext uri="{FF2B5EF4-FFF2-40B4-BE49-F238E27FC236}">
-                <a16:creationId xmlns:a16="http://schemas.microsoft.com/office/drawing/2014/main" id="{67CA222E-FAAF-4BA6-BBED-53B233593E40}"/>
+                <a16:creationId xmlns:a16="http://schemas.microsoft.com/office/drawing/2014/main" id="{829069F9-4039-4104-A49D-7ECE61648737}"/>
               </a:ext>
             </a:extLst>
           </p:cNvPr>
@@ -6311,17 +6311,16 @@
             <a:graphicFrameLocks noGrp="1"/>
           </p:cNvGraphicFramePr>
           <p:nvPr>
-            <p:ph idx="1"/>
             <p:extLst>
               <p:ext uri="{D42A27DB-BD31-4B8C-83A1-F6EECF244321}">
-                <p14:modId xmlns:p14="http://schemas.microsoft.com/office/powerpoint/2010/main" val="2496275494"/>
+                <p14:modId xmlns:p14="http://schemas.microsoft.com/office/powerpoint/2010/main" val="4024527438"/>
               </p:ext>
             </p:extLst>
           </p:nvPr>
         </p:nvGraphicFramePr>
         <p:xfrm>
-          <a:off x="1097280" y="1970203"/>
-          <a:ext cx="10058400" cy="3864990"/>
+          <a:off x="1068186" y="2129492"/>
+          <a:ext cx="10087494" cy="2938643"/>
         </p:xfrm>
         <a:graphic>
           <a:graphicData uri="http://schemas.openxmlformats.org/drawingml/2006/table">
@@ -6330,35 +6329,40 @@
                 <a:tableStyleId>{5C22544A-7EE6-4342-B048-85BDC9FD1C3A}</a:tableStyleId>
               </a:tblPr>
               <a:tblGrid>
-                <a:gridCol w="5029200">
+                <a:gridCol w="6749935">
                   <a:extLst>
                     <a:ext uri="{9D8B030D-6E8A-4147-A177-3AD203B41FA5}">
-                      <a16:colId xmlns:a16="http://schemas.microsoft.com/office/drawing/2014/main" val="1667238008"/>
+                      <a16:colId xmlns:a16="http://schemas.microsoft.com/office/drawing/2014/main" val="1811249791"/>
                     </a:ext>
                   </a:extLst>
                 </a:gridCol>
-                <a:gridCol w="5029200">
+                <a:gridCol w="1612669">
                   <a:extLst>
                     <a:ext uri="{9D8B030D-6E8A-4147-A177-3AD203B41FA5}">
-                      <a16:colId xmlns:a16="http://schemas.microsoft.com/office/drawing/2014/main" val="1435620575"/>
+                      <a16:colId xmlns:a16="http://schemas.microsoft.com/office/drawing/2014/main" val="154417415"/>
+                    </a:ext>
+                  </a:extLst>
+                </a:gridCol>
+                <a:gridCol w="1724890">
+                  <a:extLst>
+                    <a:ext uri="{9D8B030D-6E8A-4147-A177-3AD203B41FA5}">
+                      <a16:colId xmlns:a16="http://schemas.microsoft.com/office/drawing/2014/main" val="325648631"/>
                     </a:ext>
                   </a:extLst>
                 </a:gridCol>
               </a:tblGrid>
-              <a:tr h="644165">
+              <a:tr h="375346">
                 <a:tc>
                   <a:txBody>
                     <a:bodyPr/>
                     <a:lstStyle/>
                     <a:p>
+                      <a:pPr algn="ctr"/>
                       <a:r>
-                        <a:rPr lang="en-US" b="1" dirty="0">
-                          <a:solidFill>
-                            <a:schemeClr val="tx1"/>
-                          </a:solidFill>
-                        </a:rPr>
-                        <a:t>Sprint planned activity</a:t>
+                        <a:rPr lang="en-IN" sz="2400" dirty="0"/>
+                        <a:t>Task</a:t>
                       </a:r>
+                      <a:endParaRPr lang="en-US" sz="2400" dirty="0"/>
                     </a:p>
                   </a:txBody>
                   <a:tcPr/>
@@ -6368,38 +6372,12 @@
                     <a:bodyPr/>
                     <a:lstStyle/>
                     <a:p>
+                      <a:pPr algn="ctr"/>
                       <a:r>
-                        <a:rPr lang="en-US" dirty="0">
-                          <a:solidFill>
-                            <a:schemeClr val="tx1"/>
-                          </a:solidFill>
-                        </a:rPr>
-                        <a:t>Sprint week</a:t>
+                        <a:rPr lang="en-IN" dirty="0"/>
+                        <a:t>Sprint Start</a:t>
                       </a:r>
-                    </a:p>
-                  </a:txBody>
-                  <a:tcPr/>
-                </a:tc>
-                <a:extLst>
-                  <a:ext uri="{0D108BD9-81ED-4DB2-BD59-A6C34878D82A}">
-                    <a16:rowId xmlns:a16="http://schemas.microsoft.com/office/drawing/2014/main" val="2606385413"/>
-                  </a:ext>
-                </a:extLst>
-              </a:tr>
-              <a:tr h="644165">
-                <a:tc>
-                  <a:txBody>
-                    <a:bodyPr/>
-                    <a:lstStyle/>
-                    <a:p>
-                      <a:r>
-                        <a:rPr lang="en-US" b="0" dirty="0">
-                          <a:solidFill>
-                            <a:schemeClr val="tx1"/>
-                          </a:solidFill>
-                        </a:rPr>
-                        <a:t>Data Transformation and unit, integration tests for it</a:t>
-                      </a:r>
+                      <a:endParaRPr lang="en-US" dirty="0"/>
                     </a:p>
                   </a:txBody>
                   <a:tcPr/>
@@ -6409,123 +6387,31 @@
                     <a:bodyPr/>
                     <a:lstStyle/>
                     <a:p>
+                      <a:pPr algn="ctr"/>
                       <a:r>
-                        <a:rPr lang="en-US" dirty="0"/>
-                        <a:t>3/15/2018 – 3/22/2018</a:t>
+                        <a:rPr lang="en-IN" dirty="0"/>
+                        <a:t>Sprint End</a:t>
                       </a:r>
+                      <a:endParaRPr lang="en-US" dirty="0"/>
                     </a:p>
                   </a:txBody>
                   <a:tcPr/>
                 </a:tc>
                 <a:extLst>
                   <a:ext uri="{0D108BD9-81ED-4DB2-BD59-A6C34878D82A}">
-                    <a16:rowId xmlns:a16="http://schemas.microsoft.com/office/drawing/2014/main" val="2835371890"/>
+                    <a16:rowId xmlns:a16="http://schemas.microsoft.com/office/drawing/2014/main" val="1791204185"/>
                   </a:ext>
                 </a:extLst>
               </a:tr>
-              <a:tr h="644165">
+              <a:tr h="364756">
                 <a:tc>
                   <a:txBody>
                     <a:bodyPr/>
                     <a:lstStyle/>
                     <a:p>
                       <a:r>
-                        <a:rPr lang="en-US" dirty="0"/>
-                        <a:t>Feature Extraction and unit, integration tests for it</a:t>
-                      </a:r>
-                    </a:p>
-                  </a:txBody>
-                  <a:tcPr/>
-                </a:tc>
-                <a:tc>
-                  <a:txBody>
-                    <a:bodyPr/>
-                    <a:lstStyle/>
-                    <a:p>
-                      <a:r>
-                        <a:rPr lang="en-US" dirty="0"/>
-                        <a:t>3/22/2018 – 3/29/2018</a:t>
-                      </a:r>
-                    </a:p>
-                  </a:txBody>
-                  <a:tcPr/>
-                </a:tc>
-                <a:extLst>
-                  <a:ext uri="{0D108BD9-81ED-4DB2-BD59-A6C34878D82A}">
-                    <a16:rowId xmlns:a16="http://schemas.microsoft.com/office/drawing/2014/main" val="2606846074"/>
-                  </a:ext>
-                </a:extLst>
-              </a:tr>
-              <a:tr h="644165">
-                <a:tc>
-                  <a:txBody>
-                    <a:bodyPr/>
-                    <a:lstStyle/>
-                    <a:p>
-                      <a:r>
-                        <a:rPr lang="en-US" dirty="0" err="1"/>
-                        <a:t>MLlib</a:t>
-                      </a:r>
-                      <a:r>
-                        <a:rPr lang="en-US" dirty="0"/>
-                        <a:t> algorithms for different models and validation</a:t>
-                      </a:r>
-                    </a:p>
-                  </a:txBody>
-                  <a:tcPr/>
-                </a:tc>
-                <a:tc>
-                  <a:txBody>
-                    <a:bodyPr/>
-                    <a:lstStyle/>
-                    <a:p>
-                      <a:r>
-                        <a:rPr lang="en-US" dirty="0"/>
-                        <a:t>3/29/2018 – 4/05/2018</a:t>
-                      </a:r>
-                    </a:p>
-                  </a:txBody>
-                  <a:tcPr/>
-                </a:tc>
-                <a:extLst>
-                  <a:ext uri="{0D108BD9-81ED-4DB2-BD59-A6C34878D82A}">
-                    <a16:rowId xmlns:a16="http://schemas.microsoft.com/office/drawing/2014/main" val="3296204003"/>
-                  </a:ext>
-                </a:extLst>
-              </a:tr>
-              <a:tr h="644165">
-                <a:tc>
-                  <a:txBody>
-                    <a:bodyPr/>
-                    <a:lstStyle/>
-                    <a:p>
-                      <a:r>
-                        <a:rPr lang="fr-FR" dirty="0" err="1"/>
-                        <a:t>Prediction</a:t>
-                      </a:r>
-                      <a:r>
-                        <a:rPr lang="fr-FR" dirty="0"/>
-                        <a:t>: genre, </a:t>
-                      </a:r>
-                      <a:r>
-                        <a:rPr lang="fr-FR" dirty="0" err="1"/>
-                        <a:t>artist</a:t>
-                      </a:r>
-                      <a:r>
-                        <a:rPr lang="fr-FR" dirty="0"/>
-                        <a:t>, </a:t>
-                      </a:r>
-                      <a:r>
-                        <a:rPr lang="fr-FR" dirty="0" err="1"/>
-                        <a:t>similar</a:t>
-                      </a:r>
-                      <a:r>
-                        <a:rPr lang="fr-FR" dirty="0"/>
-                        <a:t> </a:t>
-                      </a:r>
-                      <a:r>
-                        <a:rPr lang="fr-FR" dirty="0" err="1"/>
-                        <a:t>songs</a:t>
+                        <a:rPr lang="en-IN" dirty="0"/>
+                        <a:t>Data Transformation, Unit Testing and Integration Testing for TDD</a:t>
                       </a:r>
                       <a:endParaRPr lang="en-US" dirty="0"/>
                     </a:p>
@@ -6538,28 +6424,162 @@
                     <a:lstStyle/>
                     <a:p>
                       <a:r>
-                        <a:rPr lang="en-US" dirty="0"/>
-                        <a:t>4/05/2018 – 4/12/2018</a:t>
+                        <a:rPr lang="en-IN" dirty="0"/>
+                        <a:t>15 March 2018</a:t>
                       </a:r>
+                      <a:endParaRPr lang="en-US" dirty="0"/>
+                    </a:p>
+                  </a:txBody>
+                  <a:tcPr/>
+                </a:tc>
+                <a:tc>
+                  <a:txBody>
+                    <a:bodyPr/>
+                    <a:lstStyle/>
+                    <a:p>
+                      <a:r>
+                        <a:rPr lang="en-IN" dirty="0"/>
+                        <a:t>24 March 2018</a:t>
+                      </a:r>
+                      <a:endParaRPr lang="en-US" dirty="0"/>
                     </a:p>
                   </a:txBody>
                   <a:tcPr/>
                 </a:tc>
                 <a:extLst>
                   <a:ext uri="{0D108BD9-81ED-4DB2-BD59-A6C34878D82A}">
-                    <a16:rowId xmlns:a16="http://schemas.microsoft.com/office/drawing/2014/main" val="3462862177"/>
+                    <a16:rowId xmlns:a16="http://schemas.microsoft.com/office/drawing/2014/main" val="3158014959"/>
                   </a:ext>
                 </a:extLst>
               </a:tr>
-              <a:tr h="644165">
+              <a:tr h="364756">
                 <a:tc>
                   <a:txBody>
                     <a:bodyPr/>
                     <a:lstStyle/>
                     <a:p>
                       <a:r>
-                        <a:rPr lang="en-US" dirty="0"/>
-                        <a:t>Unit testing and Integration Testing</a:t>
+                        <a:rPr lang="en-IN" dirty="0"/>
+                        <a:t>Feature Extraction with Testing</a:t>
+                      </a:r>
+                      <a:endParaRPr lang="en-US" dirty="0"/>
+                    </a:p>
+                  </a:txBody>
+                  <a:tcPr/>
+                </a:tc>
+                <a:tc>
+                  <a:txBody>
+                    <a:bodyPr/>
+                    <a:lstStyle/>
+                    <a:p>
+                      <a:r>
+                        <a:rPr lang="en-IN" dirty="0"/>
+                        <a:t>25 March 2018</a:t>
+                      </a:r>
+                      <a:endParaRPr lang="en-US" dirty="0"/>
+                    </a:p>
+                  </a:txBody>
+                  <a:tcPr/>
+                </a:tc>
+                <a:tc>
+                  <a:txBody>
+                    <a:bodyPr/>
+                    <a:lstStyle/>
+                    <a:p>
+                      <a:r>
+                        <a:rPr lang="en-IN" dirty="0"/>
+                        <a:t>31 March 2018</a:t>
+                      </a:r>
+                      <a:endParaRPr lang="en-US" dirty="0"/>
+                    </a:p>
+                  </a:txBody>
+                  <a:tcPr/>
+                </a:tc>
+                <a:extLst>
+                  <a:ext uri="{0D108BD9-81ED-4DB2-BD59-A6C34878D82A}">
+                    <a16:rowId xmlns:a16="http://schemas.microsoft.com/office/drawing/2014/main" val="303763507"/>
+                  </a:ext>
+                </a:extLst>
+              </a:tr>
+              <a:tr h="469763">
+                <a:tc>
+                  <a:txBody>
+                    <a:bodyPr/>
+                    <a:lstStyle/>
+                    <a:p>
+                      <a:r>
+                        <a:rPr lang="en-IN" dirty="0" err="1"/>
+                        <a:t>MLlib</a:t>
+                      </a:r>
+                      <a:r>
+                        <a:rPr lang="en-IN" dirty="0"/>
+                        <a:t> algorithms for different models and validation with Testing</a:t>
+                      </a:r>
+                      <a:endParaRPr lang="en-US" b="1" dirty="0"/>
+                    </a:p>
+                  </a:txBody>
+                  <a:tcPr/>
+                </a:tc>
+                <a:tc>
+                  <a:txBody>
+                    <a:bodyPr/>
+                    <a:lstStyle/>
+                    <a:p>
+                      <a:r>
+                        <a:rPr lang="en-IN" dirty="0"/>
+                        <a:t>1 April 2018</a:t>
+                      </a:r>
+                      <a:endParaRPr lang="en-US" dirty="0"/>
+                    </a:p>
+                  </a:txBody>
+                  <a:tcPr/>
+                </a:tc>
+                <a:tc>
+                  <a:txBody>
+                    <a:bodyPr/>
+                    <a:lstStyle/>
+                    <a:p>
+                      <a:r>
+                        <a:rPr lang="en-IN" dirty="0"/>
+                        <a:t>07 April 2018</a:t>
+                      </a:r>
+                      <a:endParaRPr lang="en-US" dirty="0"/>
+                    </a:p>
+                  </a:txBody>
+                  <a:tcPr/>
+                </a:tc>
+                <a:extLst>
+                  <a:ext uri="{0D108BD9-81ED-4DB2-BD59-A6C34878D82A}">
+                    <a16:rowId xmlns:a16="http://schemas.microsoft.com/office/drawing/2014/main" val="1227805346"/>
+                  </a:ext>
+                </a:extLst>
+              </a:tr>
+              <a:tr h="638322">
+                <a:tc>
+                  <a:txBody>
+                    <a:bodyPr/>
+                    <a:lstStyle/>
+                    <a:p>
+                      <a:pPr marL="0" marR="0" lvl="0" indent="0" algn="l" defTabSz="914400" rtl="0" eaLnBrk="1" fontAlgn="auto" latinLnBrk="0" hangingPunct="1">
+                        <a:lnSpc>
+                          <a:spcPct val="100000"/>
+                        </a:lnSpc>
+                        <a:spcBef>
+                          <a:spcPts val="0"/>
+                        </a:spcBef>
+                        <a:spcAft>
+                          <a:spcPts val="0"/>
+                        </a:spcAft>
+                        <a:buClrTx/>
+                        <a:buSzTx/>
+                        <a:buFontTx/>
+                        <a:buNone/>
+                        <a:tabLst/>
+                        <a:defRPr/>
+                      </a:pPr>
+                      <a:r>
+                        <a:rPr lang="en-IN" dirty="0"/>
+                        <a:t>Prediction: genre, artist</a:t>
                       </a:r>
                     </a:p>
                     <a:p>
@@ -6574,16 +6594,99 @@
                     <a:lstStyle/>
                     <a:p>
                       <a:r>
-                        <a:rPr lang="en-US" dirty="0"/>
-                        <a:t>4/12/2018 – 4/19/2018</a:t>
+                        <a:rPr lang="en-IN" dirty="0"/>
+                        <a:t>08 April 2018</a:t>
                       </a:r>
+                      <a:endParaRPr lang="en-US" dirty="0"/>
+                    </a:p>
+                  </a:txBody>
+                  <a:tcPr/>
+                </a:tc>
+                <a:tc>
+                  <a:txBody>
+                    <a:bodyPr/>
+                    <a:lstStyle/>
+                    <a:p>
+                      <a:r>
+                        <a:rPr lang="en-IN" dirty="0"/>
+                        <a:t>14 April 2018</a:t>
+                      </a:r>
+                      <a:endParaRPr lang="en-US" dirty="0"/>
                     </a:p>
                   </a:txBody>
                   <a:tcPr/>
                 </a:tc>
                 <a:extLst>
                   <a:ext uri="{0D108BD9-81ED-4DB2-BD59-A6C34878D82A}">
-                    <a16:rowId xmlns:a16="http://schemas.microsoft.com/office/drawing/2014/main" val="132454294"/>
+                    <a16:rowId xmlns:a16="http://schemas.microsoft.com/office/drawing/2014/main" val="2302242018"/>
+                  </a:ext>
+                </a:extLst>
+              </a:tr>
+              <a:tr h="638322">
+                <a:tc>
+                  <a:txBody>
+                    <a:bodyPr/>
+                    <a:lstStyle/>
+                    <a:p>
+                      <a:pPr marL="0" marR="0" lvl="0" indent="0" algn="l" defTabSz="914400" rtl="0" eaLnBrk="1" fontAlgn="auto" latinLnBrk="0" hangingPunct="1">
+                        <a:lnSpc>
+                          <a:spcPct val="100000"/>
+                        </a:lnSpc>
+                        <a:spcBef>
+                          <a:spcPts val="0"/>
+                        </a:spcBef>
+                        <a:spcAft>
+                          <a:spcPts val="0"/>
+                        </a:spcAft>
+                        <a:buClrTx/>
+                        <a:buSzTx/>
+                        <a:buFontTx/>
+                        <a:buNone/>
+                        <a:tabLst/>
+                        <a:defRPr/>
+                      </a:pPr>
+                      <a:r>
+                        <a:rPr lang="en-IN" dirty="0"/>
+                        <a:t>Prediction of similar songs and final corrections with all Tests</a:t>
+                      </a:r>
+                    </a:p>
+                    <a:p>
+                      <a:endParaRPr lang="en-US" dirty="0"/>
+                    </a:p>
+                  </a:txBody>
+                  <a:tcPr/>
+                </a:tc>
+                <a:tc>
+                  <a:txBody>
+                    <a:bodyPr/>
+                    <a:lstStyle/>
+                    <a:p>
+                      <a:r>
+                        <a:rPr lang="en-IN" dirty="0"/>
+                        <a:t>14 April 2018</a:t>
+                      </a:r>
+                      <a:endParaRPr lang="en-US" dirty="0"/>
+                    </a:p>
+                  </a:txBody>
+                  <a:tcPr/>
+                </a:tc>
+                <a:tc>
+                  <a:txBody>
+                    <a:bodyPr/>
+                    <a:lstStyle/>
+                    <a:p>
+                      <a:r>
+                        <a:rPr lang="en-IN" dirty="0"/>
+                        <a:t>24 April 2018</a:t>
+                      </a:r>
+                      <a:endParaRPr lang="en-US" dirty="0"/>
+                    </a:p>
+                  </a:txBody>
+                  <a:tcPr/>
+                </a:tc>
+                <a:extLst>
+                  <a:ext uri="{0D108BD9-81ED-4DB2-BD59-A6C34878D82A}">
+                    <a16:rowId xmlns:a16="http://schemas.microsoft.com/office/drawing/2014/main" val="3642917488"/>
                   </a:ext>
                 </a:extLst>
               </a:tr>
@@ -6790,10 +6893,10 @@
       </p:sp>
       <p:sp>
         <p:nvSpPr>
-          <p:cNvPr id="3" name="Content Placeholder 2">
+          <p:cNvPr id="6" name="Content Placeholder 2">
             <a:extLst>
               <a:ext uri="{FF2B5EF4-FFF2-40B4-BE49-F238E27FC236}">
-                <a16:creationId xmlns:a16="http://schemas.microsoft.com/office/drawing/2014/main" id="{6B6D24C6-731E-48C4-9CAE-66DEE7476BBB}"/>
+                <a16:creationId xmlns:a16="http://schemas.microsoft.com/office/drawing/2014/main" id="{7E100E07-0D3F-4D85-ACA4-B4692B3CD431}"/>
               </a:ext>
             </a:extLst>
           </p:cNvPr>
@@ -6804,7 +6907,12 @@
             <p:ph idx="1"/>
           </p:nvPr>
         </p:nvSpPr>
-        <p:spPr/>
+        <p:spPr>
+          <a:xfrm>
+            <a:off x="1097280" y="1845734"/>
+            <a:ext cx="10058400" cy="4023360"/>
+          </a:xfrm>
+        </p:spPr>
         <p:txBody>
           <a:bodyPr/>
           <a:lstStyle/>
@@ -6815,14 +6923,7 @@
             </a:pPr>
             <a:r>
               <a:rPr lang="en-IN" dirty="0"/>
-              <a:t>  Minimum of 65% success rate for predicting genre</a:t>
-            </a:r>
-          </a:p>
-          <a:p>
-            <a:pPr lvl="1"/>
-            <a:r>
-              <a:rPr lang="en-IN" dirty="0"/>
-              <a:t>More the lyrics provided the better the accuracy</a:t>
+              <a:t> Minimum of 65% success rate for predicting genre within 3-5 seconds</a:t>
             </a:r>
           </a:p>
           <a:p>
@@ -6832,7 +6933,7 @@
             </a:pPr>
             <a:r>
               <a:rPr lang="en-IN" dirty="0"/>
-              <a:t> Top 5 artists that match given lyrics</a:t>
+              <a:t> Top 5 probable artists for the given lyrics</a:t>
             </a:r>
           </a:p>
           <a:p>
@@ -6842,7 +6943,7 @@
             </a:pPr>
             <a:r>
               <a:rPr lang="en-IN" dirty="0"/>
-              <a:t> Up to 10 similar songs</a:t>
+              <a:t> If the artist is present in the dataset, should be in the top 5 probable artists list</a:t>
             </a:r>
           </a:p>
           <a:p>
@@ -6852,7 +6953,7 @@
             </a:pPr>
             <a:r>
               <a:rPr lang="en-IN" dirty="0"/>
-              <a:t> Prediction to be completed within 60 seconds</a:t>
+              <a:t> Predict up to 10 similar songs with a prediction time of 5-8 second</a:t>
             </a:r>
             <a:endParaRPr lang="en-US" dirty="0"/>
           </a:p>
@@ -6935,12 +7036,14 @@
         </p:nvSpPr>
         <p:spPr>
           <a:xfrm>
-            <a:off x="931025" y="1849582"/>
-            <a:ext cx="10224655" cy="4019512"/>
-          </a:xfrm>
-        </p:spPr>
-        <p:txBody>
-          <a:bodyPr/>
+            <a:off x="717331" y="1849582"/>
+            <a:ext cx="10438349" cy="4019512"/>
+          </a:xfrm>
+        </p:spPr>
+        <p:txBody>
+          <a:bodyPr>
+            <a:normAutofit/>
+          </a:bodyPr>
           <a:lstStyle/>
           <a:p>
             <a:pPr>
@@ -6949,7 +7052,7 @@
             </a:pPr>
             <a:r>
               <a:rPr lang="en-IN" dirty="0"/>
-              <a:t> Correct prediction of genre of a song from a lyric</a:t>
+              <a:t>Correct prediction of genre of a song from a lyric</a:t>
             </a:r>
           </a:p>
           <a:p>
@@ -6959,7 +7062,7 @@
             </a:pPr>
             <a:r>
               <a:rPr lang="en-IN" dirty="0"/>
-              <a:t> Provide a prediction for list of artists for the song</a:t>
+              <a:t> Providing a prediction for probable artists for the song</a:t>
             </a:r>
           </a:p>
           <a:p>
@@ -6969,11 +7072,69 @@
             </a:pPr>
             <a:r>
               <a:rPr lang="en-IN" dirty="0"/>
-              <a:t> Similar songs from the dataset</a:t>
-            </a:r>
-          </a:p>
-          <a:p>
+              <a:t> Predict similar songs from the dataset</a:t>
+            </a:r>
+          </a:p>
+          <a:p>
+            <a:pPr>
+              <a:buFont typeface="Arial" panose="020B0604020202020204" pitchFamily="34" charset="0"/>
+              <a:buChar char="•"/>
+            </a:pPr>
+            <a:r>
+              <a:rPr lang="en-IN" dirty="0"/>
+              <a:t>Meet all project deadlines</a:t>
+            </a:r>
+          </a:p>
+          <a:p>
+            <a:pPr>
+              <a:buFont typeface="Arial" panose="020B0604020202020204" pitchFamily="34" charset="0"/>
+              <a:buChar char="•"/>
+            </a:pPr>
+            <a:r>
+              <a:rPr lang="en-IN" dirty="0"/>
+              <a:t> Follow TDD</a:t>
+            </a:r>
+          </a:p>
+          <a:p>
+            <a:pPr>
+              <a:buFont typeface="Arial" panose="020B0604020202020204" pitchFamily="34" charset="0"/>
+              <a:buChar char="•"/>
+            </a:pPr>
+            <a:r>
+              <a:rPr lang="en-IN" dirty="0"/>
+              <a:t> Have code coverage for the maximum part if not entire source code</a:t>
+            </a:r>
+          </a:p>
+          <a:p>
+            <a:pPr>
+              <a:buFont typeface="Arial" panose="020B0604020202020204" pitchFamily="34" charset="0"/>
+              <a:buChar char="•"/>
+            </a:pPr>
+            <a:r>
+              <a:rPr lang="en-IN" dirty="0"/>
+              <a:t> Learn and follow good software development practices</a:t>
+            </a:r>
             <a:endParaRPr lang="en-US" dirty="0"/>
+          </a:p>
+          <a:p>
+            <a:pPr>
+              <a:buFont typeface="Arial" panose="020B0604020202020204" pitchFamily="34" charset="0"/>
+              <a:buChar char="•"/>
+            </a:pPr>
+            <a:r>
+              <a:rPr lang="en-IN" dirty="0"/>
+              <a:t> Collaborate and share knowledge with team member</a:t>
+            </a:r>
+          </a:p>
+          <a:p>
+            <a:pPr>
+              <a:buFont typeface="Arial" panose="020B0604020202020204" pitchFamily="34" charset="0"/>
+              <a:buChar char="•"/>
+            </a:pPr>
+            <a:r>
+              <a:rPr lang="en-IN" dirty="0"/>
+              <a:t> Learn and follow peer coding standards and code review and integration standards.</a:t>
+            </a:r>
           </a:p>
         </p:txBody>
       </p:sp>
